--- a/Report/보고서에 첨부된 그림 및 자료/메인 디바이스 모듈 구성도.pptx
+++ b/Report/보고서에 첨부된 그림 및 자료/메인 디바이스 모듈 구성도.pptx
@@ -245,7 +245,7 @@
           <a:p>
             <a:fld id="{0C5A0B65-1D3E-47BC-84FF-54922DEA95BF}" type="datetimeFigureOut">
               <a:rPr lang="ko-KR" altLang="en-US" smtClean="0"/>
-              <a:t>2019-05-19</a:t>
+              <a:t>2019-05-25</a:t>
             </a:fld>
             <a:endParaRPr lang="ko-KR" altLang="en-US"/>
           </a:p>
@@ -415,7 +415,7 @@
           <a:p>
             <a:fld id="{0C5A0B65-1D3E-47BC-84FF-54922DEA95BF}" type="datetimeFigureOut">
               <a:rPr lang="ko-KR" altLang="en-US" smtClean="0"/>
-              <a:t>2019-05-19</a:t>
+              <a:t>2019-05-25</a:t>
             </a:fld>
             <a:endParaRPr lang="ko-KR" altLang="en-US"/>
           </a:p>
@@ -595,7 +595,7 @@
           <a:p>
             <a:fld id="{0C5A0B65-1D3E-47BC-84FF-54922DEA95BF}" type="datetimeFigureOut">
               <a:rPr lang="ko-KR" altLang="en-US" smtClean="0"/>
-              <a:t>2019-05-19</a:t>
+              <a:t>2019-05-25</a:t>
             </a:fld>
             <a:endParaRPr lang="ko-KR" altLang="en-US"/>
           </a:p>
@@ -765,7 +765,7 @@
           <a:p>
             <a:fld id="{0C5A0B65-1D3E-47BC-84FF-54922DEA95BF}" type="datetimeFigureOut">
               <a:rPr lang="ko-KR" altLang="en-US" smtClean="0"/>
-              <a:t>2019-05-19</a:t>
+              <a:t>2019-05-25</a:t>
             </a:fld>
             <a:endParaRPr lang="ko-KR" altLang="en-US"/>
           </a:p>
@@ -1009,7 +1009,7 @@
           <a:p>
             <a:fld id="{0C5A0B65-1D3E-47BC-84FF-54922DEA95BF}" type="datetimeFigureOut">
               <a:rPr lang="ko-KR" altLang="en-US" smtClean="0"/>
-              <a:t>2019-05-19</a:t>
+              <a:t>2019-05-25</a:t>
             </a:fld>
             <a:endParaRPr lang="ko-KR" altLang="en-US"/>
           </a:p>
@@ -1241,7 +1241,7 @@
           <a:p>
             <a:fld id="{0C5A0B65-1D3E-47BC-84FF-54922DEA95BF}" type="datetimeFigureOut">
               <a:rPr lang="ko-KR" altLang="en-US" smtClean="0"/>
-              <a:t>2019-05-19</a:t>
+              <a:t>2019-05-25</a:t>
             </a:fld>
             <a:endParaRPr lang="ko-KR" altLang="en-US"/>
           </a:p>
@@ -1608,7 +1608,7 @@
           <a:p>
             <a:fld id="{0C5A0B65-1D3E-47BC-84FF-54922DEA95BF}" type="datetimeFigureOut">
               <a:rPr lang="ko-KR" altLang="en-US" smtClean="0"/>
-              <a:t>2019-05-19</a:t>
+              <a:t>2019-05-25</a:t>
             </a:fld>
             <a:endParaRPr lang="ko-KR" altLang="en-US"/>
           </a:p>
@@ -1726,7 +1726,7 @@
           <a:p>
             <a:fld id="{0C5A0B65-1D3E-47BC-84FF-54922DEA95BF}" type="datetimeFigureOut">
               <a:rPr lang="ko-KR" altLang="en-US" smtClean="0"/>
-              <a:t>2019-05-19</a:t>
+              <a:t>2019-05-25</a:t>
             </a:fld>
             <a:endParaRPr lang="ko-KR" altLang="en-US"/>
           </a:p>
@@ -1821,7 +1821,7 @@
           <a:p>
             <a:fld id="{0C5A0B65-1D3E-47BC-84FF-54922DEA95BF}" type="datetimeFigureOut">
               <a:rPr lang="ko-KR" altLang="en-US" smtClean="0"/>
-              <a:t>2019-05-19</a:t>
+              <a:t>2019-05-25</a:t>
             </a:fld>
             <a:endParaRPr lang="ko-KR" altLang="en-US"/>
           </a:p>
@@ -2098,7 +2098,7 @@
           <a:p>
             <a:fld id="{0C5A0B65-1D3E-47BC-84FF-54922DEA95BF}" type="datetimeFigureOut">
               <a:rPr lang="ko-KR" altLang="en-US" smtClean="0"/>
-              <a:t>2019-05-19</a:t>
+              <a:t>2019-05-25</a:t>
             </a:fld>
             <a:endParaRPr lang="ko-KR" altLang="en-US"/>
           </a:p>
@@ -2355,7 +2355,7 @@
           <a:p>
             <a:fld id="{0C5A0B65-1D3E-47BC-84FF-54922DEA95BF}" type="datetimeFigureOut">
               <a:rPr lang="ko-KR" altLang="en-US" smtClean="0"/>
-              <a:t>2019-05-19</a:t>
+              <a:t>2019-05-25</a:t>
             </a:fld>
             <a:endParaRPr lang="ko-KR" altLang="en-US"/>
           </a:p>
@@ -2568,7 +2568,7 @@
           <a:p>
             <a:fld id="{0C5A0B65-1D3E-47BC-84FF-54922DEA95BF}" type="datetimeFigureOut">
               <a:rPr lang="ko-KR" altLang="en-US" smtClean="0"/>
-              <a:t>2019-05-19</a:t>
+              <a:t>2019-05-25</a:t>
             </a:fld>
             <a:endParaRPr lang="ko-KR" altLang="en-US"/>
           </a:p>
@@ -16382,12 +16382,16 @@
               <a:t>서버와 </a:t>
             </a:r>
             <a:r>
-              <a:rPr lang="en-US" altLang="ko-KR" sz="1100" dirty="0"/>
-              <a:t>MQTT</a:t>
+              <a:rPr lang="en-US" altLang="ko-KR" sz="1100"/>
+              <a:t>TCP/IP</a:t>
+            </a:r>
+            <a:r>
+              <a:rPr lang="ko-KR" altLang="en-US" sz="1100"/>
+              <a:t>를 </a:t>
             </a:r>
             <a:r>
               <a:rPr lang="ko-KR" altLang="en-US" sz="1100" dirty="0"/>
-              <a:t>를 사용해 연결하며 디바이스 플래그를 송신하고 디바이스 설정 값과 보상 및 식사 신호를 수신한다</a:t>
+              <a:t>사용해 연결하며 디바이스 플래그를 송신하고 디바이스 설정 값과 보상 및 식사 신호를 수신한다</a:t>
             </a:r>
             <a:r>
               <a:rPr lang="en-US" altLang="ko-KR" sz="1100" dirty="0"/>

--- a/Report/보고서에 첨부된 그림 및 자료/메인 디바이스 모듈 구성도.pptx
+++ b/Report/보고서에 첨부된 그림 및 자료/메인 디바이스 모듈 구성도.pptx
@@ -245,7 +245,7 @@
           <a:p>
             <a:fld id="{0C5A0B65-1D3E-47BC-84FF-54922DEA95BF}" type="datetimeFigureOut">
               <a:rPr lang="ko-KR" altLang="en-US" smtClean="0"/>
-              <a:t>2019-05-25</a:t>
+              <a:t>2019-06-09</a:t>
             </a:fld>
             <a:endParaRPr lang="ko-KR" altLang="en-US"/>
           </a:p>
@@ -415,7 +415,7 @@
           <a:p>
             <a:fld id="{0C5A0B65-1D3E-47BC-84FF-54922DEA95BF}" type="datetimeFigureOut">
               <a:rPr lang="ko-KR" altLang="en-US" smtClean="0"/>
-              <a:t>2019-05-25</a:t>
+              <a:t>2019-06-09</a:t>
             </a:fld>
             <a:endParaRPr lang="ko-KR" altLang="en-US"/>
           </a:p>
@@ -595,7 +595,7 @@
           <a:p>
             <a:fld id="{0C5A0B65-1D3E-47BC-84FF-54922DEA95BF}" type="datetimeFigureOut">
               <a:rPr lang="ko-KR" altLang="en-US" smtClean="0"/>
-              <a:t>2019-05-25</a:t>
+              <a:t>2019-06-09</a:t>
             </a:fld>
             <a:endParaRPr lang="ko-KR" altLang="en-US"/>
           </a:p>
@@ -765,7 +765,7 @@
           <a:p>
             <a:fld id="{0C5A0B65-1D3E-47BC-84FF-54922DEA95BF}" type="datetimeFigureOut">
               <a:rPr lang="ko-KR" altLang="en-US" smtClean="0"/>
-              <a:t>2019-05-25</a:t>
+              <a:t>2019-06-09</a:t>
             </a:fld>
             <a:endParaRPr lang="ko-KR" altLang="en-US"/>
           </a:p>
@@ -1009,7 +1009,7 @@
           <a:p>
             <a:fld id="{0C5A0B65-1D3E-47BC-84FF-54922DEA95BF}" type="datetimeFigureOut">
               <a:rPr lang="ko-KR" altLang="en-US" smtClean="0"/>
-              <a:t>2019-05-25</a:t>
+              <a:t>2019-06-09</a:t>
             </a:fld>
             <a:endParaRPr lang="ko-KR" altLang="en-US"/>
           </a:p>
@@ -1241,7 +1241,7 @@
           <a:p>
             <a:fld id="{0C5A0B65-1D3E-47BC-84FF-54922DEA95BF}" type="datetimeFigureOut">
               <a:rPr lang="ko-KR" altLang="en-US" smtClean="0"/>
-              <a:t>2019-05-25</a:t>
+              <a:t>2019-06-09</a:t>
             </a:fld>
             <a:endParaRPr lang="ko-KR" altLang="en-US"/>
           </a:p>
@@ -1608,7 +1608,7 @@
           <a:p>
             <a:fld id="{0C5A0B65-1D3E-47BC-84FF-54922DEA95BF}" type="datetimeFigureOut">
               <a:rPr lang="ko-KR" altLang="en-US" smtClean="0"/>
-              <a:t>2019-05-25</a:t>
+              <a:t>2019-06-09</a:t>
             </a:fld>
             <a:endParaRPr lang="ko-KR" altLang="en-US"/>
           </a:p>
@@ -1726,7 +1726,7 @@
           <a:p>
             <a:fld id="{0C5A0B65-1D3E-47BC-84FF-54922DEA95BF}" type="datetimeFigureOut">
               <a:rPr lang="ko-KR" altLang="en-US" smtClean="0"/>
-              <a:t>2019-05-25</a:t>
+              <a:t>2019-06-09</a:t>
             </a:fld>
             <a:endParaRPr lang="ko-KR" altLang="en-US"/>
           </a:p>
@@ -1821,7 +1821,7 @@
           <a:p>
             <a:fld id="{0C5A0B65-1D3E-47BC-84FF-54922DEA95BF}" type="datetimeFigureOut">
               <a:rPr lang="ko-KR" altLang="en-US" smtClean="0"/>
-              <a:t>2019-05-25</a:t>
+              <a:t>2019-06-09</a:t>
             </a:fld>
             <a:endParaRPr lang="ko-KR" altLang="en-US"/>
           </a:p>
@@ -2098,7 +2098,7 @@
           <a:p>
             <a:fld id="{0C5A0B65-1D3E-47BC-84FF-54922DEA95BF}" type="datetimeFigureOut">
               <a:rPr lang="ko-KR" altLang="en-US" smtClean="0"/>
-              <a:t>2019-05-25</a:t>
+              <a:t>2019-06-09</a:t>
             </a:fld>
             <a:endParaRPr lang="ko-KR" altLang="en-US"/>
           </a:p>
@@ -2355,7 +2355,7 @@
           <a:p>
             <a:fld id="{0C5A0B65-1D3E-47BC-84FF-54922DEA95BF}" type="datetimeFigureOut">
               <a:rPr lang="ko-KR" altLang="en-US" smtClean="0"/>
-              <a:t>2019-05-25</a:t>
+              <a:t>2019-06-09</a:t>
             </a:fld>
             <a:endParaRPr lang="ko-KR" altLang="en-US"/>
           </a:p>
@@ -2568,7 +2568,7 @@
           <a:p>
             <a:fld id="{0C5A0B65-1D3E-47BC-84FF-54922DEA95BF}" type="datetimeFigureOut">
               <a:rPr lang="ko-KR" altLang="en-US" smtClean="0"/>
-              <a:t>2019-05-25</a:t>
+              <a:t>2019-06-09</a:t>
             </a:fld>
             <a:endParaRPr lang="ko-KR" altLang="en-US"/>
           </a:p>
@@ -16562,7 +16562,7 @@
             <a:pPr algn="ctr"/>
             <a:r>
               <a:rPr lang="ko-KR" altLang="en-US" sz="1100" b="1" dirty="0"/>
-              <a:t>디바이스 세팅 값</a:t>
+              <a:t>디바이스 설정 값</a:t>
             </a:r>
             <a:endParaRPr lang="en-US" altLang="ko-KR" sz="1100" b="1" dirty="0"/>
           </a:p>
@@ -16582,7 +16582,7 @@
             <a:pPr algn="ctr"/>
             <a:r>
               <a:rPr lang="ko-KR" altLang="en-US" sz="1100" dirty="0"/>
-              <a:t>서버로부터 받은 디바이스 세팅 값을 분석해 명령어 훈련 및 지능 발달 놀이를 진행한다</a:t>
+              <a:t>서버로부터 받은 디바이스 설정 값을 분석해 명령어 훈련 및 지능 발달 놀이를 진행한다</a:t>
             </a:r>
             <a:r>
               <a:rPr lang="en-US" altLang="ko-KR" sz="1100" dirty="0"/>
@@ -17635,6 +17635,938 @@
           </a:fontRef>
         </p:style>
       </p:cxnSp>
+      <p:sp>
+        <p:nvSpPr>
+          <p:cNvPr id="3" name="TextBox 2">
+            <a:extLst>
+              <a:ext uri="{FF2B5EF4-FFF2-40B4-BE49-F238E27FC236}">
+                <a16:creationId xmlns:a16="http://schemas.microsoft.com/office/drawing/2014/main" id="{1DF04269-9A1D-41D8-B3AD-A38657A2E43C}"/>
+              </a:ext>
+            </a:extLst>
+          </p:cNvPr>
+          <p:cNvSpPr txBox="1"/>
+          <p:nvPr/>
+        </p:nvSpPr>
+        <p:spPr>
+          <a:xfrm>
+            <a:off x="3800196" y="1117943"/>
+            <a:ext cx="1905280" cy="261610"/>
+          </a:xfrm>
+          <a:prstGeom prst="rect">
+            <a:avLst/>
+          </a:prstGeom>
+          <a:noFill/>
+        </p:spPr>
+        <p:txBody>
+          <a:bodyPr wrap="square" rtlCol="0">
+            <a:spAutoFit/>
+          </a:bodyPr>
+          <a:lstStyle/>
+          <a:p>
+            <a:r>
+              <a:rPr lang="en-US" altLang="ko-KR" sz="1100" dirty="0"/>
+              <a:t>Input : </a:t>
+            </a:r>
+            <a:r>
+              <a:rPr lang="ko-KR" altLang="en-US" sz="1100" dirty="0"/>
+              <a:t>안드로이드 영상</a:t>
+            </a:r>
+          </a:p>
+        </p:txBody>
+      </p:sp>
+      <p:sp>
+        <p:nvSpPr>
+          <p:cNvPr id="65" name="TextBox 64">
+            <a:extLst>
+              <a:ext uri="{FF2B5EF4-FFF2-40B4-BE49-F238E27FC236}">
+                <a16:creationId xmlns:a16="http://schemas.microsoft.com/office/drawing/2014/main" id="{4653F452-8133-4D69-840F-1CDED791656C}"/>
+              </a:ext>
+            </a:extLst>
+          </p:cNvPr>
+          <p:cNvSpPr txBox="1"/>
+          <p:nvPr/>
+        </p:nvSpPr>
+        <p:spPr>
+          <a:xfrm>
+            <a:off x="3629684" y="4526529"/>
+            <a:ext cx="2001053" cy="261610"/>
+          </a:xfrm>
+          <a:prstGeom prst="rect">
+            <a:avLst/>
+          </a:prstGeom>
+          <a:noFill/>
+        </p:spPr>
+        <p:txBody>
+          <a:bodyPr wrap="square" rtlCol="0">
+            <a:spAutoFit/>
+          </a:bodyPr>
+          <a:lstStyle/>
+          <a:p>
+            <a:r>
+              <a:rPr lang="en-US" altLang="ko-KR" sz="1100" dirty="0"/>
+              <a:t>Output : </a:t>
+            </a:r>
+            <a:r>
+              <a:rPr lang="ko-KR" altLang="en-US" sz="1100" dirty="0"/>
+              <a:t>메인 디바이스 영상</a:t>
+            </a:r>
+          </a:p>
+        </p:txBody>
+      </p:sp>
+      <p:sp>
+        <p:nvSpPr>
+          <p:cNvPr id="66" name="TextBox 65">
+            <a:extLst>
+              <a:ext uri="{FF2B5EF4-FFF2-40B4-BE49-F238E27FC236}">
+                <a16:creationId xmlns:a16="http://schemas.microsoft.com/office/drawing/2014/main" id="{CB3005D2-B402-4472-BF8E-4DCBE61BBE33}"/>
+              </a:ext>
+            </a:extLst>
+          </p:cNvPr>
+          <p:cNvSpPr txBox="1"/>
+          <p:nvPr/>
+        </p:nvSpPr>
+        <p:spPr>
+          <a:xfrm>
+            <a:off x="3800196" y="2842552"/>
+            <a:ext cx="1905280" cy="430887"/>
+          </a:xfrm>
+          <a:prstGeom prst="rect">
+            <a:avLst/>
+          </a:prstGeom>
+          <a:noFill/>
+        </p:spPr>
+        <p:txBody>
+          <a:bodyPr wrap="square" rtlCol="0">
+            <a:spAutoFit/>
+          </a:bodyPr>
+          <a:lstStyle/>
+          <a:p>
+            <a:r>
+              <a:rPr lang="en-US" altLang="ko-KR" sz="1100" dirty="0"/>
+              <a:t>Input : </a:t>
+            </a:r>
+            <a:r>
+              <a:rPr lang="ko-KR" altLang="en-US" sz="1100" dirty="0"/>
+              <a:t>객체추적 카메라로 촬영한 영상</a:t>
+            </a:r>
+            <a:r>
+              <a:rPr lang="en-US" altLang="ko-KR" sz="1100" dirty="0"/>
+              <a:t>, </a:t>
+            </a:r>
+            <a:r>
+              <a:rPr lang="ko-KR" altLang="en-US" sz="1100" dirty="0"/>
+              <a:t>마이크 음성</a:t>
+            </a:r>
+          </a:p>
+        </p:txBody>
+      </p:sp>
+      <p:sp>
+        <p:nvSpPr>
+          <p:cNvPr id="67" name="TextBox 66">
+            <a:extLst>
+              <a:ext uri="{FF2B5EF4-FFF2-40B4-BE49-F238E27FC236}">
+                <a16:creationId xmlns:a16="http://schemas.microsoft.com/office/drawing/2014/main" id="{069FF2F6-70BB-46D5-BFCC-66A6047677EF}"/>
+              </a:ext>
+            </a:extLst>
+          </p:cNvPr>
+          <p:cNvSpPr txBox="1"/>
+          <p:nvPr/>
+        </p:nvSpPr>
+        <p:spPr>
+          <a:xfrm>
+            <a:off x="1655409" y="1831902"/>
+            <a:ext cx="1905280" cy="430887"/>
+          </a:xfrm>
+          <a:prstGeom prst="rect">
+            <a:avLst/>
+          </a:prstGeom>
+          <a:noFill/>
+        </p:spPr>
+        <p:txBody>
+          <a:bodyPr wrap="square" rtlCol="0">
+            <a:spAutoFit/>
+          </a:bodyPr>
+          <a:lstStyle/>
+          <a:p>
+            <a:r>
+              <a:rPr lang="en-US" altLang="ko-KR" sz="1100" dirty="0"/>
+              <a:t>Input : </a:t>
+            </a:r>
+            <a:r>
+              <a:rPr lang="ko-KR" altLang="en-US" sz="1100" dirty="0"/>
+              <a:t>안드로이드 영상</a:t>
+            </a:r>
+            <a:r>
+              <a:rPr lang="en-US" altLang="ko-KR" sz="1100" dirty="0"/>
+              <a:t>, </a:t>
+            </a:r>
+            <a:r>
+              <a:rPr lang="ko-KR" altLang="en-US" sz="1100" dirty="0"/>
+              <a:t>메인 디바이스 영상</a:t>
+            </a:r>
+          </a:p>
+        </p:txBody>
+      </p:sp>
+      <p:sp>
+        <p:nvSpPr>
+          <p:cNvPr id="68" name="TextBox 67">
+            <a:extLst>
+              <a:ext uri="{FF2B5EF4-FFF2-40B4-BE49-F238E27FC236}">
+                <a16:creationId xmlns:a16="http://schemas.microsoft.com/office/drawing/2014/main" id="{5E082AC1-0739-41E0-A7A6-44E4A910D557}"/>
+              </a:ext>
+            </a:extLst>
+          </p:cNvPr>
+          <p:cNvSpPr txBox="1"/>
+          <p:nvPr/>
+        </p:nvSpPr>
+        <p:spPr>
+          <a:xfrm>
+            <a:off x="1655409" y="3448684"/>
+            <a:ext cx="1905280" cy="430887"/>
+          </a:xfrm>
+          <a:prstGeom prst="rect">
+            <a:avLst/>
+          </a:prstGeom>
+          <a:noFill/>
+        </p:spPr>
+        <p:txBody>
+          <a:bodyPr wrap="square" rtlCol="0">
+            <a:spAutoFit/>
+          </a:bodyPr>
+          <a:lstStyle/>
+          <a:p>
+            <a:r>
+              <a:rPr lang="en-US" altLang="ko-KR" sz="1100" dirty="0"/>
+              <a:t>Output : </a:t>
+            </a:r>
+            <a:r>
+              <a:rPr lang="ko-KR" altLang="en-US" sz="1100" dirty="0"/>
+              <a:t>안드로이드 영상</a:t>
+            </a:r>
+            <a:r>
+              <a:rPr lang="en-US" altLang="ko-KR" sz="1100" dirty="0"/>
+              <a:t>, </a:t>
+            </a:r>
+            <a:r>
+              <a:rPr lang="ko-KR" altLang="en-US" sz="1100" dirty="0"/>
+              <a:t>메인 디바이스 영상</a:t>
+            </a:r>
+          </a:p>
+        </p:txBody>
+      </p:sp>
+      <p:sp>
+        <p:nvSpPr>
+          <p:cNvPr id="69" name="TextBox 68">
+            <a:extLst>
+              <a:ext uri="{FF2B5EF4-FFF2-40B4-BE49-F238E27FC236}">
+                <a16:creationId xmlns:a16="http://schemas.microsoft.com/office/drawing/2014/main" id="{D84EF9B8-A223-433E-BA8C-C1FFEF3861C3}"/>
+              </a:ext>
+            </a:extLst>
+          </p:cNvPr>
+          <p:cNvSpPr txBox="1"/>
+          <p:nvPr/>
+        </p:nvSpPr>
+        <p:spPr>
+          <a:xfrm>
+            <a:off x="7607094" y="5067643"/>
+            <a:ext cx="1241631" cy="600164"/>
+          </a:xfrm>
+          <a:prstGeom prst="rect">
+            <a:avLst/>
+          </a:prstGeom>
+          <a:noFill/>
+        </p:spPr>
+        <p:txBody>
+          <a:bodyPr wrap="square" rtlCol="0">
+            <a:spAutoFit/>
+          </a:bodyPr>
+          <a:lstStyle/>
+          <a:p>
+            <a:r>
+              <a:rPr lang="en-US" altLang="ko-KR" sz="1100" dirty="0"/>
+              <a:t>Input : </a:t>
+            </a:r>
+            <a:r>
+              <a:rPr lang="ko-KR" altLang="en-US" sz="1100" dirty="0"/>
+              <a:t>객체추적 카메라로 촬영한 영상</a:t>
+            </a:r>
+          </a:p>
+        </p:txBody>
+      </p:sp>
+      <p:sp>
+        <p:nvSpPr>
+          <p:cNvPr id="71" name="TextBox 70">
+            <a:extLst>
+              <a:ext uri="{FF2B5EF4-FFF2-40B4-BE49-F238E27FC236}">
+                <a16:creationId xmlns:a16="http://schemas.microsoft.com/office/drawing/2014/main" id="{E0E609AC-9081-435F-B8B7-433AD61045DB}"/>
+              </a:ext>
+            </a:extLst>
+          </p:cNvPr>
+          <p:cNvSpPr txBox="1"/>
+          <p:nvPr/>
+        </p:nvSpPr>
+        <p:spPr>
+          <a:xfrm>
+            <a:off x="7632235" y="4334055"/>
+            <a:ext cx="2001053" cy="430887"/>
+          </a:xfrm>
+          <a:prstGeom prst="rect">
+            <a:avLst/>
+          </a:prstGeom>
+          <a:noFill/>
+        </p:spPr>
+        <p:txBody>
+          <a:bodyPr wrap="square" rtlCol="0">
+            <a:spAutoFit/>
+          </a:bodyPr>
+          <a:lstStyle/>
+          <a:p>
+            <a:r>
+              <a:rPr lang="en-US" altLang="ko-KR" sz="1100" dirty="0"/>
+              <a:t>Output : </a:t>
+            </a:r>
+            <a:r>
+              <a:rPr lang="ko-KR" altLang="en-US" sz="1100" dirty="0"/>
+              <a:t>카메라 </a:t>
+            </a:r>
+            <a:r>
+              <a:rPr lang="ko-KR" altLang="en-US" sz="1100" dirty="0" err="1"/>
+              <a:t>틸트를</a:t>
+            </a:r>
+            <a:r>
+              <a:rPr lang="ko-KR" altLang="en-US" sz="1100" dirty="0"/>
+              <a:t> 조종하는 신호</a:t>
+            </a:r>
+          </a:p>
+        </p:txBody>
+      </p:sp>
+      <p:sp>
+        <p:nvSpPr>
+          <p:cNvPr id="72" name="TextBox 71">
+            <a:extLst>
+              <a:ext uri="{FF2B5EF4-FFF2-40B4-BE49-F238E27FC236}">
+                <a16:creationId xmlns:a16="http://schemas.microsoft.com/office/drawing/2014/main" id="{504CE5E3-E559-4F58-A5CE-C37F3ED1CBA6}"/>
+              </a:ext>
+            </a:extLst>
+          </p:cNvPr>
+          <p:cNvSpPr txBox="1"/>
+          <p:nvPr/>
+        </p:nvSpPr>
+        <p:spPr>
+          <a:xfrm>
+            <a:off x="4934074" y="4972335"/>
+            <a:ext cx="1317272" cy="600164"/>
+          </a:xfrm>
+          <a:prstGeom prst="rect">
+            <a:avLst/>
+          </a:prstGeom>
+          <a:noFill/>
+        </p:spPr>
+        <p:txBody>
+          <a:bodyPr wrap="square" rtlCol="0">
+            <a:spAutoFit/>
+          </a:bodyPr>
+          <a:lstStyle/>
+          <a:p>
+            <a:r>
+              <a:rPr lang="en-US" altLang="ko-KR" sz="1100" dirty="0"/>
+              <a:t>Output : </a:t>
+            </a:r>
+            <a:r>
+              <a:rPr lang="ko-KR" altLang="en-US" sz="1100" dirty="0"/>
+              <a:t>객체추적 카메라로 촬영한 영상</a:t>
+            </a:r>
+          </a:p>
+        </p:txBody>
+      </p:sp>
+      <p:sp>
+        <p:nvSpPr>
+          <p:cNvPr id="75" name="TextBox 74">
+            <a:extLst>
+              <a:ext uri="{FF2B5EF4-FFF2-40B4-BE49-F238E27FC236}">
+                <a16:creationId xmlns:a16="http://schemas.microsoft.com/office/drawing/2014/main" id="{E07DF69F-2AF1-4699-AF3B-3D4CC1116E9D}"/>
+              </a:ext>
+            </a:extLst>
+          </p:cNvPr>
+          <p:cNvSpPr txBox="1"/>
+          <p:nvPr/>
+        </p:nvSpPr>
+        <p:spPr>
+          <a:xfrm>
+            <a:off x="1655409" y="6421419"/>
+            <a:ext cx="1905280" cy="600164"/>
+          </a:xfrm>
+          <a:prstGeom prst="rect">
+            <a:avLst/>
+          </a:prstGeom>
+          <a:noFill/>
+        </p:spPr>
+        <p:txBody>
+          <a:bodyPr wrap="square" rtlCol="0">
+            <a:spAutoFit/>
+          </a:bodyPr>
+          <a:lstStyle/>
+          <a:p>
+            <a:r>
+              <a:rPr lang="en-US" altLang="ko-KR" sz="1100" dirty="0"/>
+              <a:t>Input : </a:t>
+            </a:r>
+            <a:r>
+              <a:rPr lang="ko-KR" altLang="en-US" sz="1100" dirty="0"/>
+              <a:t>디바이스 플래그</a:t>
+            </a:r>
+            <a:r>
+              <a:rPr lang="en-US" altLang="ko-KR" sz="1100" dirty="0"/>
+              <a:t>, </a:t>
+            </a:r>
+            <a:r>
+              <a:rPr lang="ko-KR" altLang="en-US" sz="1100" dirty="0"/>
+              <a:t>디바이스 설정 값</a:t>
+            </a:r>
+            <a:r>
+              <a:rPr lang="en-US" altLang="ko-KR" sz="1100" dirty="0"/>
+              <a:t>, </a:t>
+            </a:r>
+            <a:r>
+              <a:rPr lang="ko-KR" altLang="en-US" sz="1100" dirty="0"/>
+              <a:t>보상 및 식사 신호</a:t>
+            </a:r>
+          </a:p>
+        </p:txBody>
+      </p:sp>
+      <p:sp>
+        <p:nvSpPr>
+          <p:cNvPr id="76" name="TextBox 75">
+            <a:extLst>
+              <a:ext uri="{FF2B5EF4-FFF2-40B4-BE49-F238E27FC236}">
+                <a16:creationId xmlns:a16="http://schemas.microsoft.com/office/drawing/2014/main" id="{2681BB3D-8669-4DE4-908D-2F90AADE6EB5}"/>
+              </a:ext>
+            </a:extLst>
+          </p:cNvPr>
+          <p:cNvSpPr txBox="1"/>
+          <p:nvPr/>
+        </p:nvSpPr>
+        <p:spPr>
+          <a:xfrm>
+            <a:off x="1655409" y="8612664"/>
+            <a:ext cx="1905280" cy="430887"/>
+          </a:xfrm>
+          <a:prstGeom prst="rect">
+            <a:avLst/>
+          </a:prstGeom>
+          <a:noFill/>
+        </p:spPr>
+        <p:txBody>
+          <a:bodyPr wrap="square" rtlCol="0">
+            <a:spAutoFit/>
+          </a:bodyPr>
+          <a:lstStyle/>
+          <a:p>
+            <a:r>
+              <a:rPr lang="en-US" altLang="ko-KR" sz="1100" dirty="0"/>
+              <a:t>Output : </a:t>
+            </a:r>
+            <a:r>
+              <a:rPr lang="ko-KR" altLang="en-US" sz="1100" dirty="0"/>
+              <a:t>디바이스 설정 값</a:t>
+            </a:r>
+            <a:r>
+              <a:rPr lang="en-US" altLang="ko-KR" sz="1100" dirty="0"/>
+              <a:t>, </a:t>
+            </a:r>
+            <a:r>
+              <a:rPr lang="ko-KR" altLang="en-US" sz="1100" dirty="0"/>
+              <a:t>보상 및 식사 신호</a:t>
+            </a:r>
+          </a:p>
+        </p:txBody>
+      </p:sp>
+      <p:sp>
+        <p:nvSpPr>
+          <p:cNvPr id="81" name="TextBox 80">
+            <a:extLst>
+              <a:ext uri="{FF2B5EF4-FFF2-40B4-BE49-F238E27FC236}">
+                <a16:creationId xmlns:a16="http://schemas.microsoft.com/office/drawing/2014/main" id="{DD7CBD6E-ABBF-41A3-A610-5FDAAFE626ED}"/>
+              </a:ext>
+            </a:extLst>
+          </p:cNvPr>
+          <p:cNvSpPr txBox="1"/>
+          <p:nvPr/>
+        </p:nvSpPr>
+        <p:spPr>
+          <a:xfrm>
+            <a:off x="2221760" y="5603344"/>
+            <a:ext cx="1905280" cy="261610"/>
+          </a:xfrm>
+          <a:prstGeom prst="rect">
+            <a:avLst/>
+          </a:prstGeom>
+          <a:noFill/>
+        </p:spPr>
+        <p:txBody>
+          <a:bodyPr wrap="square" rtlCol="0">
+            <a:spAutoFit/>
+          </a:bodyPr>
+          <a:lstStyle/>
+          <a:p>
+            <a:r>
+              <a:rPr lang="en-US" altLang="ko-KR" sz="1100" dirty="0"/>
+              <a:t>Input : </a:t>
+            </a:r>
+            <a:r>
+              <a:rPr lang="ko-KR" altLang="en-US" sz="1100" dirty="0"/>
+              <a:t>디바이스 설정 값</a:t>
+            </a:r>
+          </a:p>
+        </p:txBody>
+      </p:sp>
+      <p:sp>
+        <p:nvSpPr>
+          <p:cNvPr id="82" name="TextBox 81">
+            <a:extLst>
+              <a:ext uri="{FF2B5EF4-FFF2-40B4-BE49-F238E27FC236}">
+                <a16:creationId xmlns:a16="http://schemas.microsoft.com/office/drawing/2014/main" id="{6E0E243B-3061-4060-A396-F723E4779B92}"/>
+              </a:ext>
+            </a:extLst>
+          </p:cNvPr>
+          <p:cNvSpPr txBox="1"/>
+          <p:nvPr/>
+        </p:nvSpPr>
+        <p:spPr>
+          <a:xfrm>
+            <a:off x="3599442" y="7059482"/>
+            <a:ext cx="1905280" cy="430887"/>
+          </a:xfrm>
+          <a:prstGeom prst="rect">
+            <a:avLst/>
+          </a:prstGeom>
+          <a:noFill/>
+        </p:spPr>
+        <p:txBody>
+          <a:bodyPr wrap="square" rtlCol="0">
+            <a:spAutoFit/>
+          </a:bodyPr>
+          <a:lstStyle/>
+          <a:p>
+            <a:r>
+              <a:rPr lang="en-US" altLang="ko-KR" sz="1100" dirty="0"/>
+              <a:t>Input </a:t>
+            </a:r>
+            <a:r>
+              <a:rPr lang="en-US" altLang="ko-KR" sz="1100"/>
+              <a:t>: </a:t>
+            </a:r>
+            <a:r>
+              <a:rPr lang="ko-KR" altLang="en-US" sz="1100" dirty="0"/>
+              <a:t>기능 수행 결과</a:t>
+            </a:r>
+            <a:endParaRPr lang="en-US" altLang="ko-KR" sz="1100" dirty="0"/>
+          </a:p>
+          <a:p>
+            <a:r>
+              <a:rPr lang="en-US" altLang="ko-KR" sz="1100" dirty="0"/>
+              <a:t>Output : </a:t>
+            </a:r>
+            <a:r>
+              <a:rPr lang="ko-KR" altLang="en-US" sz="1100" dirty="0"/>
+              <a:t>디바이스 플래그</a:t>
+            </a:r>
+          </a:p>
+        </p:txBody>
+      </p:sp>
+      <p:sp>
+        <p:nvSpPr>
+          <p:cNvPr id="83" name="TextBox 82">
+            <a:extLst>
+              <a:ext uri="{FF2B5EF4-FFF2-40B4-BE49-F238E27FC236}">
+                <a16:creationId xmlns:a16="http://schemas.microsoft.com/office/drawing/2014/main" id="{9C1BEDAB-68FD-43C3-9EF7-A5306F59A971}"/>
+              </a:ext>
+            </a:extLst>
+          </p:cNvPr>
+          <p:cNvSpPr txBox="1"/>
+          <p:nvPr/>
+        </p:nvSpPr>
+        <p:spPr>
+          <a:xfrm>
+            <a:off x="3101060" y="9656184"/>
+            <a:ext cx="905995" cy="430887"/>
+          </a:xfrm>
+          <a:prstGeom prst="rect">
+            <a:avLst/>
+          </a:prstGeom>
+          <a:noFill/>
+        </p:spPr>
+        <p:txBody>
+          <a:bodyPr wrap="square" rtlCol="0">
+            <a:spAutoFit/>
+          </a:bodyPr>
+          <a:lstStyle/>
+          <a:p>
+            <a:r>
+              <a:rPr lang="en-US" altLang="ko-KR" sz="1100" dirty="0"/>
+              <a:t>Input : </a:t>
+            </a:r>
+          </a:p>
+          <a:p>
+            <a:r>
+              <a:rPr lang="ko-KR" altLang="en-US" sz="1100" dirty="0"/>
+              <a:t>식사 신호</a:t>
+            </a:r>
+          </a:p>
+        </p:txBody>
+      </p:sp>
+      <p:sp>
+        <p:nvSpPr>
+          <p:cNvPr id="84" name="TextBox 83">
+            <a:extLst>
+              <a:ext uri="{FF2B5EF4-FFF2-40B4-BE49-F238E27FC236}">
+                <a16:creationId xmlns:a16="http://schemas.microsoft.com/office/drawing/2014/main" id="{1691CBCB-FA83-4543-9CCC-30D3B8532A75}"/>
+              </a:ext>
+            </a:extLst>
+          </p:cNvPr>
+          <p:cNvSpPr txBox="1"/>
+          <p:nvPr/>
+        </p:nvSpPr>
+        <p:spPr>
+          <a:xfrm>
+            <a:off x="8190468" y="9627216"/>
+            <a:ext cx="905995" cy="430887"/>
+          </a:xfrm>
+          <a:prstGeom prst="rect">
+            <a:avLst/>
+          </a:prstGeom>
+          <a:noFill/>
+        </p:spPr>
+        <p:txBody>
+          <a:bodyPr wrap="square" rtlCol="0">
+            <a:spAutoFit/>
+          </a:bodyPr>
+          <a:lstStyle/>
+          <a:p>
+            <a:r>
+              <a:rPr lang="en-US" altLang="ko-KR" sz="1100" dirty="0"/>
+              <a:t>Input : </a:t>
+            </a:r>
+          </a:p>
+          <a:p>
+            <a:r>
+              <a:rPr lang="ko-KR" altLang="en-US" sz="1100" dirty="0"/>
+              <a:t>보상 신호</a:t>
+            </a:r>
+          </a:p>
+        </p:txBody>
+      </p:sp>
+      <p:sp>
+        <p:nvSpPr>
+          <p:cNvPr id="92" name="TextBox 91">
+            <a:extLst>
+              <a:ext uri="{FF2B5EF4-FFF2-40B4-BE49-F238E27FC236}">
+                <a16:creationId xmlns:a16="http://schemas.microsoft.com/office/drawing/2014/main" id="{008BC126-B489-4746-9EF2-62AFE319B737}"/>
+              </a:ext>
+            </a:extLst>
+          </p:cNvPr>
+          <p:cNvSpPr txBox="1"/>
+          <p:nvPr/>
+        </p:nvSpPr>
+        <p:spPr>
+          <a:xfrm>
+            <a:off x="7564804" y="6537720"/>
+            <a:ext cx="1566261" cy="430887"/>
+          </a:xfrm>
+          <a:prstGeom prst="rect">
+            <a:avLst/>
+          </a:prstGeom>
+          <a:noFill/>
+        </p:spPr>
+        <p:txBody>
+          <a:bodyPr wrap="square" rtlCol="0">
+            <a:spAutoFit/>
+          </a:bodyPr>
+          <a:lstStyle/>
+          <a:p>
+            <a:r>
+              <a:rPr lang="en-US" altLang="ko-KR" sz="1100" dirty="0"/>
+              <a:t>Input : </a:t>
+            </a:r>
+            <a:r>
+              <a:rPr lang="ko-KR" altLang="en-US" sz="1100" dirty="0" err="1"/>
+              <a:t>키넥트</a:t>
+            </a:r>
+            <a:r>
+              <a:rPr lang="ko-KR" altLang="en-US" sz="1100" dirty="0"/>
+              <a:t> 카메라로 촬영한 영상</a:t>
+            </a:r>
+          </a:p>
+        </p:txBody>
+      </p:sp>
+      <p:sp>
+        <p:nvSpPr>
+          <p:cNvPr id="95" name="TextBox 94">
+            <a:extLst>
+              <a:ext uri="{FF2B5EF4-FFF2-40B4-BE49-F238E27FC236}">
+                <a16:creationId xmlns:a16="http://schemas.microsoft.com/office/drawing/2014/main" id="{BDCA78A2-AAF6-4F95-B438-3FDC3229CB72}"/>
+              </a:ext>
+            </a:extLst>
+          </p:cNvPr>
+          <p:cNvSpPr txBox="1"/>
+          <p:nvPr/>
+        </p:nvSpPr>
+        <p:spPr>
+          <a:xfrm>
+            <a:off x="7564804" y="7635985"/>
+            <a:ext cx="1566261" cy="261610"/>
+          </a:xfrm>
+          <a:prstGeom prst="rect">
+            <a:avLst/>
+          </a:prstGeom>
+          <a:noFill/>
+        </p:spPr>
+        <p:txBody>
+          <a:bodyPr wrap="square" rtlCol="0">
+            <a:spAutoFit/>
+          </a:bodyPr>
+          <a:lstStyle/>
+          <a:p>
+            <a:r>
+              <a:rPr lang="en-US" altLang="ko-KR" sz="1100" dirty="0"/>
+              <a:t>Input </a:t>
+            </a:r>
+            <a:r>
+              <a:rPr lang="en-US" altLang="ko-KR" sz="1100"/>
+              <a:t>: LED </a:t>
+            </a:r>
+            <a:r>
+              <a:rPr lang="ko-KR" altLang="en-US" sz="1100" dirty="0"/>
+              <a:t>버튼 신호</a:t>
+            </a:r>
+          </a:p>
+        </p:txBody>
+      </p:sp>
+      <p:sp>
+        <p:nvSpPr>
+          <p:cNvPr id="98" name="TextBox 97">
+            <a:extLst>
+              <a:ext uri="{FF2B5EF4-FFF2-40B4-BE49-F238E27FC236}">
+                <a16:creationId xmlns:a16="http://schemas.microsoft.com/office/drawing/2014/main" id="{D30174F2-5216-4D9E-B4E9-27A39F7004C0}"/>
+              </a:ext>
+            </a:extLst>
+          </p:cNvPr>
+          <p:cNvSpPr txBox="1"/>
+          <p:nvPr/>
+        </p:nvSpPr>
+        <p:spPr>
+          <a:xfrm>
+            <a:off x="8055507" y="8031340"/>
+            <a:ext cx="1889648" cy="430887"/>
+          </a:xfrm>
+          <a:prstGeom prst="rect">
+            <a:avLst/>
+          </a:prstGeom>
+          <a:noFill/>
+        </p:spPr>
+        <p:txBody>
+          <a:bodyPr wrap="square" rtlCol="0">
+            <a:spAutoFit/>
+          </a:bodyPr>
+          <a:lstStyle/>
+          <a:p>
+            <a:r>
+              <a:rPr lang="en-US" altLang="ko-KR" sz="1100" dirty="0"/>
+              <a:t> Output : </a:t>
+            </a:r>
+            <a:r>
+              <a:rPr lang="ko-KR" altLang="en-US" sz="1100" dirty="0"/>
+              <a:t>스피커</a:t>
+            </a:r>
+            <a:r>
+              <a:rPr lang="en-US" altLang="ko-KR" sz="1100" dirty="0"/>
+              <a:t>, </a:t>
+            </a:r>
+            <a:r>
+              <a:rPr lang="ko-KR" altLang="en-US" sz="1100" dirty="0"/>
+              <a:t>모터 작동 신호</a:t>
+            </a:r>
+            <a:r>
+              <a:rPr lang="en-US" altLang="ko-KR" sz="1100" dirty="0"/>
+              <a:t>, </a:t>
+            </a:r>
+            <a:r>
+              <a:rPr lang="ko-KR" altLang="en-US" sz="1100" dirty="0"/>
+              <a:t>보상 제공 완료 신호</a:t>
+            </a:r>
+          </a:p>
+        </p:txBody>
+      </p:sp>
+      <p:cxnSp>
+        <p:nvCxnSpPr>
+          <p:cNvPr id="6" name="연결선: 꺾임 5">
+            <a:extLst>
+              <a:ext uri="{FF2B5EF4-FFF2-40B4-BE49-F238E27FC236}">
+                <a16:creationId xmlns:a16="http://schemas.microsoft.com/office/drawing/2014/main" id="{9A5B3386-DC39-4223-9404-3C58F84E9C93}"/>
+              </a:ext>
+            </a:extLst>
+          </p:cNvPr>
+          <p:cNvCxnSpPr>
+            <a:stCxn id="176" idx="2"/>
+          </p:cNvCxnSpPr>
+          <p:nvPr/>
+        </p:nvCxnSpPr>
+        <p:spPr>
+          <a:xfrm rot="5400000">
+            <a:off x="5938774" y="6588562"/>
+            <a:ext cx="224227" cy="1579387"/>
+          </a:xfrm>
+          <a:prstGeom prst="bentConnector2">
+            <a:avLst/>
+          </a:prstGeom>
+          <a:ln>
+            <a:solidFill>
+              <a:schemeClr val="tx1"/>
+            </a:solidFill>
+            <a:tailEnd type="triangle"/>
+          </a:ln>
+        </p:spPr>
+        <p:style>
+          <a:lnRef idx="1">
+            <a:schemeClr val="accent1"/>
+          </a:lnRef>
+          <a:fillRef idx="0">
+            <a:schemeClr val="accent1"/>
+          </a:fillRef>
+          <a:effectRef idx="0">
+            <a:schemeClr val="accent1"/>
+          </a:effectRef>
+          <a:fontRef idx="minor">
+            <a:schemeClr val="tx1"/>
+          </a:fontRef>
+        </p:style>
+      </p:cxnSp>
+      <p:sp>
+        <p:nvSpPr>
+          <p:cNvPr id="99" name="TextBox 98">
+            <a:extLst>
+              <a:ext uri="{FF2B5EF4-FFF2-40B4-BE49-F238E27FC236}">
+                <a16:creationId xmlns:a16="http://schemas.microsoft.com/office/drawing/2014/main" id="{43D9CB37-E389-4FB6-B78A-CBBF794B315A}"/>
+              </a:ext>
+            </a:extLst>
+          </p:cNvPr>
+          <p:cNvSpPr txBox="1"/>
+          <p:nvPr/>
+        </p:nvSpPr>
+        <p:spPr>
+          <a:xfrm>
+            <a:off x="6794496" y="7273661"/>
+            <a:ext cx="1566261" cy="430887"/>
+          </a:xfrm>
+          <a:prstGeom prst="rect">
+            <a:avLst/>
+          </a:prstGeom>
+          <a:noFill/>
+        </p:spPr>
+        <p:txBody>
+          <a:bodyPr wrap="square" rtlCol="0">
+            <a:spAutoFit/>
+          </a:bodyPr>
+          <a:lstStyle/>
+          <a:p>
+            <a:r>
+              <a:rPr lang="en-US" altLang="ko-KR" sz="1100" dirty="0"/>
+              <a:t>Output : </a:t>
+            </a:r>
+            <a:r>
+              <a:rPr lang="ko-KR" altLang="en-US" sz="1100" dirty="0"/>
+              <a:t>명령어 훈련 결과</a:t>
+            </a:r>
+          </a:p>
+        </p:txBody>
+      </p:sp>
+      <p:cxnSp>
+        <p:nvCxnSpPr>
+          <p:cNvPr id="9" name="연결선: 꺾임 8">
+            <a:extLst>
+              <a:ext uri="{FF2B5EF4-FFF2-40B4-BE49-F238E27FC236}">
+                <a16:creationId xmlns:a16="http://schemas.microsoft.com/office/drawing/2014/main" id="{DE365CFA-CEBD-45B7-8F3D-B198DD5C6E78}"/>
+              </a:ext>
+            </a:extLst>
+          </p:cNvPr>
+          <p:cNvCxnSpPr>
+            <a:stCxn id="177" idx="2"/>
+            <a:endCxn id="240" idx="3"/>
+          </p:cNvCxnSpPr>
+          <p:nvPr/>
+        </p:nvCxnSpPr>
+        <p:spPr>
+          <a:xfrm rot="5400000" flipH="1">
+            <a:off x="5669901" y="7648326"/>
+            <a:ext cx="761972" cy="1579386"/>
+          </a:xfrm>
+          <a:prstGeom prst="bentConnector4">
+            <a:avLst>
+              <a:gd name="adj1" fmla="val -27501"/>
+              <a:gd name="adj2" fmla="val 79464"/>
+            </a:avLst>
+          </a:prstGeom>
+          <a:ln>
+            <a:solidFill>
+              <a:schemeClr val="tx1"/>
+            </a:solidFill>
+            <a:tailEnd type="triangle"/>
+          </a:ln>
+        </p:spPr>
+        <p:style>
+          <a:lnRef idx="1">
+            <a:schemeClr val="accent1"/>
+          </a:lnRef>
+          <a:fillRef idx="0">
+            <a:schemeClr val="accent1"/>
+          </a:fillRef>
+          <a:effectRef idx="0">
+            <a:schemeClr val="accent1"/>
+          </a:effectRef>
+          <a:fontRef idx="minor">
+            <a:schemeClr val="tx1"/>
+          </a:fontRef>
+        </p:style>
+      </p:cxnSp>
+      <p:sp>
+        <p:nvSpPr>
+          <p:cNvPr id="105" name="TextBox 104">
+            <a:extLst>
+              <a:ext uri="{FF2B5EF4-FFF2-40B4-BE49-F238E27FC236}">
+                <a16:creationId xmlns:a16="http://schemas.microsoft.com/office/drawing/2014/main" id="{CB74F7D4-6D97-4A4C-8257-EC66EDC92EAF}"/>
+              </a:ext>
+            </a:extLst>
+          </p:cNvPr>
+          <p:cNvSpPr txBox="1"/>
+          <p:nvPr/>
+        </p:nvSpPr>
+        <p:spPr>
+          <a:xfrm>
+            <a:off x="6266773" y="8799071"/>
+            <a:ext cx="1744800" cy="261610"/>
+          </a:xfrm>
+          <a:prstGeom prst="rect">
+            <a:avLst/>
+          </a:prstGeom>
+          <a:noFill/>
+        </p:spPr>
+        <p:txBody>
+          <a:bodyPr wrap="square" rtlCol="0">
+            <a:spAutoFit/>
+          </a:bodyPr>
+          <a:lstStyle/>
+          <a:p>
+            <a:r>
+              <a:rPr lang="en-US" altLang="ko-KR" sz="1100" dirty="0"/>
+              <a:t>Output : </a:t>
+            </a:r>
+            <a:r>
+              <a:rPr lang="ko-KR" altLang="en-US" sz="1100" dirty="0"/>
+              <a:t>버튼 놀이 결과</a:t>
+            </a:r>
+          </a:p>
+        </p:txBody>
+      </p:sp>
     </p:spTree>
     <p:extLst>
       <p:ext uri="{BB962C8B-B14F-4D97-AF65-F5344CB8AC3E}">
